--- a/glassdoor_etl_project.pptx
+++ b/glassdoor_etl_project.pptx
@@ -109,7 +109,7 @@
   </p:defaultTextStyle>
   <p:extLst>
     <p:ext uri="{EFAFB233-063F-42B5-8137-9DF3F51BA10A}">
-      <p15:sldGuideLst xmlns:p15="http://schemas.microsoft.com/office/powerpoint/2012/main"/>
+      <p15:sldGuideLst xmlns:p15="http://schemas.microsoft.com/office/powerpoint/2012/main" xmlns=""/>
     </p:ext>
   </p:extLst>
 </p:presentation>
@@ -311,7 +311,7 @@
           <a:p>
             <a:fld id="{7B9C8ED8-08EF-4D00-A2D1-CF2E3BB429CE}" type="datetimeFigureOut">
               <a:rPr lang="en-US" smtClean="0"/>
-              <a:t>4/18/2019</a:t>
+              <a:t>4/18/19</a:t>
             </a:fld>
             <a:endParaRPr lang="en-US"/>
           </a:p>
@@ -371,7 +371,7 @@
   </p:clrMapOvr>
   <p:extLst>
     <p:ext uri="{DCECCB84-F9BA-43D5-87BE-67443E8EF086}">
-      <p15:sldGuideLst xmlns:p15="http://schemas.microsoft.com/office/powerpoint/2012/main"/>
+      <p15:sldGuideLst xmlns:p15="http://schemas.microsoft.com/office/powerpoint/2012/main" xmlns=""/>
     </p:ext>
   </p:extLst>
 </p:sldLayout>
@@ -597,7 +597,7 @@
           <a:p>
             <a:fld id="{7B9C8ED8-08EF-4D00-A2D1-CF2E3BB429CE}" type="datetimeFigureOut">
               <a:rPr lang="en-US" smtClean="0"/>
-              <a:t>4/18/2019</a:t>
+              <a:t>4/18/19</a:t>
             </a:fld>
             <a:endParaRPr lang="en-US"/>
           </a:p>
@@ -789,7 +789,7 @@
           <a:p>
             <a:fld id="{7B9C8ED8-08EF-4D00-A2D1-CF2E3BB429CE}" type="datetimeFigureOut">
               <a:rPr lang="en-US" smtClean="0"/>
-              <a:t>4/18/2019</a:t>
+              <a:t>4/18/19</a:t>
             </a:fld>
             <a:endParaRPr lang="en-US"/>
           </a:p>
@@ -1050,7 +1050,7 @@
           <a:p>
             <a:fld id="{7B9C8ED8-08EF-4D00-A2D1-CF2E3BB429CE}" type="datetimeFigureOut">
               <a:rPr lang="en-US" smtClean="0"/>
-              <a:t>4/18/2019</a:t>
+              <a:t>4/18/19</a:t>
             </a:fld>
             <a:endParaRPr lang="en-US"/>
           </a:p>
@@ -1476,7 +1476,7 @@
           <a:p>
             <a:fld id="{7B9C8ED8-08EF-4D00-A2D1-CF2E3BB429CE}" type="datetimeFigureOut">
               <a:rPr lang="en-US" smtClean="0"/>
-              <a:t>4/18/2019</a:t>
+              <a:t>4/18/19</a:t>
             </a:fld>
             <a:endParaRPr lang="en-US"/>
           </a:p>
@@ -2022,7 +2022,7 @@
           <a:p>
             <a:fld id="{7B9C8ED8-08EF-4D00-A2D1-CF2E3BB429CE}" type="datetimeFigureOut">
               <a:rPr lang="en-US" smtClean="0"/>
-              <a:t>4/18/2019</a:t>
+              <a:t>4/18/19</a:t>
             </a:fld>
             <a:endParaRPr lang="en-US"/>
           </a:p>
@@ -2853,7 +2853,7 @@
           <a:p>
             <a:fld id="{7B9C8ED8-08EF-4D00-A2D1-CF2E3BB429CE}" type="datetimeFigureOut">
               <a:rPr lang="en-US" smtClean="0"/>
-              <a:t>4/18/2019</a:t>
+              <a:t>4/18/19</a:t>
             </a:fld>
             <a:endParaRPr lang="en-US"/>
           </a:p>
@@ -3023,7 +3023,7 @@
           <a:p>
             <a:fld id="{7B9C8ED8-08EF-4D00-A2D1-CF2E3BB429CE}" type="datetimeFigureOut">
               <a:rPr lang="en-US" smtClean="0"/>
-              <a:t>4/18/2019</a:t>
+              <a:t>4/18/19</a:t>
             </a:fld>
             <a:endParaRPr lang="en-US"/>
           </a:p>
@@ -3203,7 +3203,7 @@
           <a:p>
             <a:fld id="{7B9C8ED8-08EF-4D00-A2D1-CF2E3BB429CE}" type="datetimeFigureOut">
               <a:rPr lang="en-US" smtClean="0"/>
-              <a:t>4/18/2019</a:t>
+              <a:t>4/18/19</a:t>
             </a:fld>
             <a:endParaRPr lang="en-US"/>
           </a:p>
@@ -3263,7 +3263,7 @@
   </p:clrMapOvr>
   <p:extLst>
     <p:ext uri="{DCECCB84-F9BA-43D5-87BE-67443E8EF086}">
-      <p15:sldGuideLst xmlns:p15="http://schemas.microsoft.com/office/powerpoint/2012/main"/>
+      <p15:sldGuideLst xmlns:p15="http://schemas.microsoft.com/office/powerpoint/2012/main" xmlns=""/>
     </p:ext>
   </p:extLst>
 </p:sldLayout>
@@ -3378,7 +3378,7 @@
           <a:p>
             <a:fld id="{7B9C8ED8-08EF-4D00-A2D1-CF2E3BB429CE}" type="datetimeFigureOut">
               <a:rPr lang="en-US" smtClean="0"/>
-              <a:t>4/18/2019</a:t>
+              <a:t>4/18/19</a:t>
             </a:fld>
             <a:endParaRPr lang="en-US"/>
           </a:p>
@@ -3635,7 +3635,7 @@
           <a:p>
             <a:fld id="{7B9C8ED8-08EF-4D00-A2D1-CF2E3BB429CE}" type="datetimeFigureOut">
               <a:rPr lang="en-US" smtClean="0"/>
-              <a:t>4/18/2019</a:t>
+              <a:t>4/18/19</a:t>
             </a:fld>
             <a:endParaRPr lang="en-US"/>
           </a:p>
@@ -3695,7 +3695,7 @@
   </p:clrMapOvr>
   <p:extLst>
     <p:ext uri="{DCECCB84-F9BA-43D5-87BE-67443E8EF086}">
-      <p15:sldGuideLst xmlns:p15="http://schemas.microsoft.com/office/powerpoint/2012/main"/>
+      <p15:sldGuideLst xmlns:p15="http://schemas.microsoft.com/office/powerpoint/2012/main" xmlns=""/>
     </p:ext>
   </p:extLst>
 </p:sldLayout>
@@ -3872,7 +3872,7 @@
           <a:p>
             <a:fld id="{7B9C8ED8-08EF-4D00-A2D1-CF2E3BB429CE}" type="datetimeFigureOut">
               <a:rPr lang="en-US" smtClean="0"/>
-              <a:t>4/18/2019</a:t>
+              <a:t>4/18/19</a:t>
             </a:fld>
             <a:endParaRPr lang="en-US"/>
           </a:p>
@@ -4265,7 +4265,7 @@
           <a:p>
             <a:fld id="{7B9C8ED8-08EF-4D00-A2D1-CF2E3BB429CE}" type="datetimeFigureOut">
               <a:rPr lang="en-US" smtClean="0"/>
-              <a:t>4/18/2019</a:t>
+              <a:t>4/18/19</a:t>
             </a:fld>
             <a:endParaRPr lang="en-US"/>
           </a:p>
@@ -4383,7 +4383,7 @@
           <a:p>
             <a:fld id="{7B9C8ED8-08EF-4D00-A2D1-CF2E3BB429CE}" type="datetimeFigureOut">
               <a:rPr lang="en-US" smtClean="0"/>
-              <a:t>4/18/2019</a:t>
+              <a:t>4/18/19</a:t>
             </a:fld>
             <a:endParaRPr lang="en-US"/>
           </a:p>
@@ -4478,7 +4478,7 @@
           <a:p>
             <a:fld id="{7B9C8ED8-08EF-4D00-A2D1-CF2E3BB429CE}" type="datetimeFigureOut">
               <a:rPr lang="en-US" smtClean="0"/>
-              <a:t>4/18/2019</a:t>
+              <a:t>4/18/19</a:t>
             </a:fld>
             <a:endParaRPr lang="en-US"/>
           </a:p>
@@ -4751,7 +4751,7 @@
           <a:p>
             <a:fld id="{7B9C8ED8-08EF-4D00-A2D1-CF2E3BB429CE}" type="datetimeFigureOut">
               <a:rPr lang="en-US" smtClean="0"/>
-              <a:t>4/18/2019</a:t>
+              <a:t>4/18/19</a:t>
             </a:fld>
             <a:endParaRPr lang="en-US"/>
           </a:p>
@@ -5032,7 +5032,7 @@
           <a:p>
             <a:fld id="{7B9C8ED8-08EF-4D00-A2D1-CF2E3BB429CE}" type="datetimeFigureOut">
               <a:rPr lang="en-US" smtClean="0"/>
-              <a:t>4/18/2019</a:t>
+              <a:t>4/18/19</a:t>
             </a:fld>
             <a:endParaRPr lang="en-US"/>
           </a:p>
@@ -5272,7 +5272,7 @@
           <a:p>
             <a:fld id="{7B9C8ED8-08EF-4D00-A2D1-CF2E3BB429CE}" type="datetimeFigureOut">
               <a:rPr lang="en-US" smtClean="0"/>
-              <a:t>4/18/2019</a:t>
+              <a:t>4/18/19</a:t>
             </a:fld>
             <a:endParaRPr lang="en-US"/>
           </a:p>
@@ -5816,7 +5816,7 @@
   </p:txStyles>
   <p:extLst>
     <p:ext uri="{27BBF7A9-308A-43DC-89C8-2F10F3537804}">
-      <p15:sldGuideLst xmlns:p15="http://schemas.microsoft.com/office/powerpoint/2012/main"/>
+      <p15:sldGuideLst xmlns:p15="http://schemas.microsoft.com/office/powerpoint/2012/main" xmlns=""/>
     </p:ext>
   </p:extLst>
 </p:sldMaster>
@@ -5844,7 +5844,7 @@
           <p:cNvPr id="2" name="Title 1">
             <a:extLst>
               <a:ext uri="{FF2B5EF4-FFF2-40B4-BE49-F238E27FC236}">
-                <a16:creationId xmlns:a16="http://schemas.microsoft.com/office/drawing/2014/main" id="{945D048A-25BD-44BD-9CDE-26F1F66E322B}"/>
+                <a16:creationId xmlns:a16="http://schemas.microsoft.com/office/drawing/2014/main" xmlns="" id="{945D048A-25BD-44BD-9CDE-26F1F66E322B}"/>
               </a:ext>
             </a:extLst>
           </p:cNvPr>
@@ -5899,7 +5899,7 @@
           <p:cNvPr id="3" name="Subtitle 2">
             <a:extLst>
               <a:ext uri="{FF2B5EF4-FFF2-40B4-BE49-F238E27FC236}">
-                <a16:creationId xmlns:a16="http://schemas.microsoft.com/office/drawing/2014/main" id="{1BF0B9B0-D2DC-4EA8-BB2A-BAAFC823900F}"/>
+                <a16:creationId xmlns:a16="http://schemas.microsoft.com/office/drawing/2014/main" xmlns="" id="{1BF0B9B0-D2DC-4EA8-BB2A-BAAFC823900F}"/>
               </a:ext>
             </a:extLst>
           </p:cNvPr>
@@ -6037,7 +6037,7 @@
           <p:cNvPr id="8" name="Picture 7">
             <a:extLst>
               <a:ext uri="{FF2B5EF4-FFF2-40B4-BE49-F238E27FC236}">
-                <a16:creationId xmlns:a16="http://schemas.microsoft.com/office/drawing/2014/main" id="{782CB723-B166-429F-B4A7-CB1DDEBCA1DF}"/>
+                <a16:creationId xmlns:a16="http://schemas.microsoft.com/office/drawing/2014/main" xmlns="" id="{782CB723-B166-429F-B4A7-CB1DDEBCA1DF}"/>
               </a:ext>
             </a:extLst>
           </p:cNvPr>
@@ -6085,7 +6085,7 @@
           <p:cNvPr id="9" name="Rectangle: Rounded Corners 8">
             <a:extLst>
               <a:ext uri="{FF2B5EF4-FFF2-40B4-BE49-F238E27FC236}">
-                <a16:creationId xmlns:a16="http://schemas.microsoft.com/office/drawing/2014/main" id="{04936403-6A0A-483E-95D7-90A2C050DEB1}"/>
+                <a16:creationId xmlns:a16="http://schemas.microsoft.com/office/drawing/2014/main" xmlns="" id="{04936403-6A0A-483E-95D7-90A2C050DEB1}"/>
               </a:ext>
             </a:extLst>
           </p:cNvPr>
@@ -6137,7 +6137,7 @@
           <p:cNvPr id="10" name="Rectangle: Rounded Corners 9">
             <a:extLst>
               <a:ext uri="{FF2B5EF4-FFF2-40B4-BE49-F238E27FC236}">
-                <a16:creationId xmlns:a16="http://schemas.microsoft.com/office/drawing/2014/main" id="{0BB5E357-CDFC-4DDD-8B0F-603CAE4F2AF2}"/>
+                <a16:creationId xmlns:a16="http://schemas.microsoft.com/office/drawing/2014/main" xmlns="" id="{0BB5E357-CDFC-4DDD-8B0F-603CAE4F2AF2}"/>
               </a:ext>
             </a:extLst>
           </p:cNvPr>
@@ -6189,7 +6189,7 @@
           <p:cNvPr id="12" name="Picture 11">
             <a:extLst>
               <a:ext uri="{FF2B5EF4-FFF2-40B4-BE49-F238E27FC236}">
-                <a16:creationId xmlns:a16="http://schemas.microsoft.com/office/drawing/2014/main" id="{3A91F53D-A908-4D71-9557-E8B681D4BD99}"/>
+                <a16:creationId xmlns:a16="http://schemas.microsoft.com/office/drawing/2014/main" xmlns="" id="{3A91F53D-A908-4D71-9557-E8B681D4BD99}"/>
               </a:ext>
             </a:extLst>
           </p:cNvPr>
@@ -6232,7 +6232,7 @@
           <p:cNvPr id="14" name="Rectangle: Rounded Corners 13">
             <a:extLst>
               <a:ext uri="{FF2B5EF4-FFF2-40B4-BE49-F238E27FC236}">
-                <a16:creationId xmlns:a16="http://schemas.microsoft.com/office/drawing/2014/main" id="{B0C642B7-E23C-4657-880B-D872E86F18D5}"/>
+                <a16:creationId xmlns:a16="http://schemas.microsoft.com/office/drawing/2014/main" xmlns="" id="{B0C642B7-E23C-4657-880B-D872E86F18D5}"/>
               </a:ext>
             </a:extLst>
           </p:cNvPr>
@@ -6284,7 +6284,7 @@
           <p:cNvPr id="15" name="Arrow: Left-Up 14">
             <a:extLst>
               <a:ext uri="{FF2B5EF4-FFF2-40B4-BE49-F238E27FC236}">
-                <a16:creationId xmlns:a16="http://schemas.microsoft.com/office/drawing/2014/main" id="{F9F7711B-99CE-475D-B1B0-CE400DB07636}"/>
+                <a16:creationId xmlns:a16="http://schemas.microsoft.com/office/drawing/2014/main" xmlns="" id="{F9F7711B-99CE-475D-B1B0-CE400DB07636}"/>
               </a:ext>
             </a:extLst>
           </p:cNvPr>
@@ -6337,6 +6337,92 @@
           </a:p>
         </p:txBody>
       </p:sp>
+      <p:sp>
+        <p:nvSpPr>
+          <p:cNvPr id="2" name="TextBox 1"/>
+          <p:cNvSpPr txBox="1"/>
+          <p:nvPr/>
+        </p:nvSpPr>
+        <p:spPr>
+          <a:xfrm>
+            <a:off x="2620467" y="5931678"/>
+            <a:ext cx="4314001" cy="369332"/>
+          </a:xfrm>
+          <a:prstGeom prst="rect">
+            <a:avLst/>
+          </a:prstGeom>
+          <a:noFill/>
+        </p:spPr>
+        <p:txBody>
+          <a:bodyPr wrap="none" rtlCol="0">
+            <a:spAutoFit/>
+          </a:bodyPr>
+          <a:lstStyle/>
+          <a:p>
+            <a:r>
+              <a:rPr lang="en-US" dirty="0" smtClean="0">
+                <a:latin typeface="Arial"/>
+                <a:cs typeface="Arial"/>
+              </a:rPr>
+              <a:t>1. Extract skills/tags from </a:t>
+            </a:r>
+            <a:r>
+              <a:rPr lang="en-US" dirty="0" err="1" smtClean="0">
+                <a:latin typeface="Arial"/>
+                <a:cs typeface="Arial"/>
+              </a:rPr>
+              <a:t>StackOverflow</a:t>
+            </a:r>
+            <a:endParaRPr lang="en-US" dirty="0">
+              <a:latin typeface="Arial"/>
+              <a:cs typeface="Arial"/>
+            </a:endParaRPr>
+          </a:p>
+        </p:txBody>
+      </p:sp>
+      <p:sp>
+        <p:nvSpPr>
+          <p:cNvPr id="13" name="TextBox 12"/>
+          <p:cNvSpPr txBox="1"/>
+          <p:nvPr/>
+        </p:nvSpPr>
+        <p:spPr>
+          <a:xfrm>
+            <a:off x="875841" y="4894527"/>
+            <a:ext cx="3507954" cy="369332"/>
+          </a:xfrm>
+          <a:prstGeom prst="rect">
+            <a:avLst/>
+          </a:prstGeom>
+          <a:noFill/>
+        </p:spPr>
+        <p:txBody>
+          <a:bodyPr wrap="none" rtlCol="0">
+            <a:spAutoFit/>
+          </a:bodyPr>
+          <a:lstStyle/>
+          <a:p>
+            <a:r>
+              <a:rPr lang="en-US" dirty="0">
+                <a:latin typeface="Arial"/>
+                <a:cs typeface="Arial"/>
+              </a:rPr>
+              <a:t>2</a:t>
+            </a:r>
+            <a:r>
+              <a:rPr lang="en-US" dirty="0" smtClean="0">
+                <a:latin typeface="Arial"/>
+                <a:cs typeface="Arial"/>
+              </a:rPr>
+              <a:t>. Match tags to job descriptions</a:t>
+            </a:r>
+            <a:endParaRPr lang="en-US" dirty="0">
+              <a:latin typeface="Arial"/>
+              <a:cs typeface="Arial"/>
+            </a:endParaRPr>
+          </a:p>
+        </p:txBody>
+      </p:sp>
     </p:spTree>
     <p:extLst>
       <p:ext uri="{BB962C8B-B14F-4D97-AF65-F5344CB8AC3E}">
@@ -6347,6 +6433,13 @@
   <p:clrMapOvr>
     <a:masterClrMapping/>
   </p:clrMapOvr>
+  <p:timing>
+    <p:tnLst>
+      <p:par>
+        <p:cTn xmlns:p14="http://schemas.microsoft.com/office/powerpoint/2010/main" id="1" dur="indefinite" restart="never" nodeType="tmRoot"/>
+      </p:par>
+    </p:tnLst>
+  </p:timing>
 </p:sld>
 </file>
 
@@ -6372,7 +6465,7 @@
           <p:cNvPr id="2" name="Title 1">
             <a:extLst>
               <a:ext uri="{FF2B5EF4-FFF2-40B4-BE49-F238E27FC236}">
-                <a16:creationId xmlns:a16="http://schemas.microsoft.com/office/drawing/2014/main" id="{945D048A-25BD-44BD-9CDE-26F1F66E322B}"/>
+                <a16:creationId xmlns:a16="http://schemas.microsoft.com/office/drawing/2014/main" xmlns="" id="{945D048A-25BD-44BD-9CDE-26F1F66E322B}"/>
               </a:ext>
             </a:extLst>
           </p:cNvPr>
@@ -6407,409 +6500,30 @@
           </a:p>
         </p:txBody>
       </p:sp>
-      <p:sp>
-        <p:nvSpPr>
-          <p:cNvPr id="4" name="Rectangle 3">
-            <a:extLst>
-              <a:ext uri="{FF2B5EF4-FFF2-40B4-BE49-F238E27FC236}">
-                <a16:creationId xmlns:a16="http://schemas.microsoft.com/office/drawing/2014/main" id="{C73CE872-ED92-4F30-9193-497EDE6DBEED}"/>
-              </a:ext>
-            </a:extLst>
-          </p:cNvPr>
-          <p:cNvSpPr/>
+      <p:pic>
+        <p:nvPicPr>
+          <p:cNvPr id="10" name="Picture 9"/>
+          <p:cNvPicPr>
+            <a:picLocks noChangeAspect="1"/>
+          </p:cNvPicPr>
           <p:nvPr/>
-        </p:nvSpPr>
+        </p:nvPicPr>
+        <p:blipFill>
+          <a:blip r:embed="rId2"/>
+          <a:stretch>
+            <a:fillRect/>
+          </a:stretch>
+        </p:blipFill>
         <p:spPr>
           <a:xfrm>
-            <a:off x="1398308" y="1116087"/>
-            <a:ext cx="10432331" cy="5539978"/>
+            <a:off x="2595595" y="1073635"/>
+            <a:ext cx="6921682" cy="5560866"/>
           </a:xfrm>
           <a:prstGeom prst="rect">
             <a:avLst/>
           </a:prstGeom>
         </p:spPr>
-        <p:txBody>
-          <a:bodyPr wrap="square">
-            <a:spAutoFit/>
-          </a:bodyPr>
-          <a:lstStyle/>
-          <a:p>
-            <a:r>
-              <a:rPr lang="en-US" sz="2800" dirty="0">
-                <a:latin typeface="Cordia New" panose="020B0502040204020203" pitchFamily="34" charset="-34"/>
-                <a:cs typeface="Cordia New" panose="020B0502040204020203" pitchFamily="34" charset="-34"/>
-              </a:rPr>
-              <a:t>{"_id":"5cb41a93349d6f2e6df9ce44",</a:t>
-            </a:r>
-          </a:p>
-          <a:p>
-            <a:r>
-              <a:rPr lang="en-US" sz="2800" dirty="0">
-                <a:latin typeface="Cordia New" panose="020B0502040204020203" pitchFamily="34" charset="-34"/>
-                <a:cs typeface="Cordia New" panose="020B0502040204020203" pitchFamily="34" charset="-34"/>
-              </a:rPr>
-              <a:t> "</a:t>
-            </a:r>
-            <a:r>
-              <a:rPr lang="en-US" sz="2800" dirty="0" err="1">
-                <a:latin typeface="Cordia New" panose="020B0502040204020203" pitchFamily="34" charset="-34"/>
-                <a:cs typeface="Cordia New" panose="020B0502040204020203" pitchFamily="34" charset="-34"/>
-              </a:rPr>
-              <a:t>query_title":"Data</a:t>
-            </a:r>
-            <a:r>
-              <a:rPr lang="en-US" sz="2800" dirty="0">
-                <a:latin typeface="Cordia New" panose="020B0502040204020203" pitchFamily="34" charset="-34"/>
-                <a:cs typeface="Cordia New" panose="020B0502040204020203" pitchFamily="34" charset="-34"/>
-              </a:rPr>
-              <a:t> Scientist",</a:t>
-            </a:r>
-          </a:p>
-          <a:p>
-            <a:r>
-              <a:rPr lang="en-US" sz="2800" dirty="0">
-                <a:latin typeface="Cordia New" panose="020B0502040204020203" pitchFamily="34" charset="-34"/>
-                <a:cs typeface="Cordia New" panose="020B0502040204020203" pitchFamily="34" charset="-34"/>
-              </a:rPr>
-              <a:t> "</a:t>
-            </a:r>
-            <a:r>
-              <a:rPr lang="en-US" sz="2800" dirty="0" err="1">
-                <a:latin typeface="Cordia New" panose="020B0502040204020203" pitchFamily="34" charset="-34"/>
-                <a:cs typeface="Cordia New" panose="020B0502040204020203" pitchFamily="34" charset="-34"/>
-              </a:rPr>
-              <a:t>query_city":"San</a:t>
-            </a:r>
-            <a:r>
-              <a:rPr lang="en-US" sz="2800" dirty="0">
-                <a:latin typeface="Cordia New" panose="020B0502040204020203" pitchFamily="34" charset="-34"/>
-                <a:cs typeface="Cordia New" panose="020B0502040204020203" pitchFamily="34" charset="-34"/>
-              </a:rPr>
-              <a:t> Diego, CA",</a:t>
-            </a:r>
-          </a:p>
-          <a:p>
-            <a:r>
-              <a:rPr lang="en-US" sz="2800" dirty="0">
-                <a:latin typeface="Cordia New" panose="020B0502040204020203" pitchFamily="34" charset="-34"/>
-                <a:cs typeface="Cordia New" panose="020B0502040204020203" pitchFamily="34" charset="-34"/>
-              </a:rPr>
-              <a:t> "</a:t>
-            </a:r>
-            <a:r>
-              <a:rPr lang="en-US" sz="2800" dirty="0" err="1">
-                <a:latin typeface="Cordia New" panose="020B0502040204020203" pitchFamily="34" charset="-34"/>
-                <a:cs typeface="Cordia New" panose="020B0502040204020203" pitchFamily="34" charset="-34"/>
-              </a:rPr>
-              <a:t>job_title":"Data</a:t>
-            </a:r>
-            <a:r>
-              <a:rPr lang="en-US" sz="2800" dirty="0">
-                <a:latin typeface="Cordia New" panose="020B0502040204020203" pitchFamily="34" charset="-34"/>
-                <a:cs typeface="Cordia New" panose="020B0502040204020203" pitchFamily="34" charset="-34"/>
-              </a:rPr>
-              <a:t> Scientist (Machine Learning)",</a:t>
-            </a:r>
-          </a:p>
-          <a:p>
-            <a:r>
-              <a:rPr lang="en-US" sz="2800" dirty="0">
-                <a:latin typeface="Cordia New" panose="020B0502040204020203" pitchFamily="34" charset="-34"/>
-                <a:cs typeface="Cordia New" panose="020B0502040204020203" pitchFamily="34" charset="-34"/>
-              </a:rPr>
-              <a:t> "</a:t>
-            </a:r>
-            <a:r>
-              <a:rPr lang="en-US" sz="2800" dirty="0" err="1">
-                <a:latin typeface="Cordia New" panose="020B0502040204020203" pitchFamily="34" charset="-34"/>
-                <a:cs typeface="Cordia New" panose="020B0502040204020203" pitchFamily="34" charset="-34"/>
-              </a:rPr>
-              <a:t>job_employer":"Experian</a:t>
-            </a:r>
-            <a:r>
-              <a:rPr lang="en-US" sz="2800" dirty="0">
-                <a:latin typeface="Cordia New" panose="020B0502040204020203" pitchFamily="34" charset="-34"/>
-                <a:cs typeface="Cordia New" panose="020B0502040204020203" pitchFamily="34" charset="-34"/>
-              </a:rPr>
-              <a:t>",</a:t>
-            </a:r>
-          </a:p>
-          <a:p>
-            <a:r>
-              <a:rPr lang="en-US" sz="2800" dirty="0">
-                <a:latin typeface="Cordia New" panose="020B0502040204020203" pitchFamily="34" charset="-34"/>
-                <a:cs typeface="Cordia New" panose="020B0502040204020203" pitchFamily="34" charset="-34"/>
-              </a:rPr>
-              <a:t> "</a:t>
-            </a:r>
-            <a:r>
-              <a:rPr lang="en-US" sz="2800" dirty="0" err="1">
-                <a:latin typeface="Cordia New" panose="020B0502040204020203" pitchFamily="34" charset="-34"/>
-                <a:cs typeface="Cordia New" panose="020B0502040204020203" pitchFamily="34" charset="-34"/>
-              </a:rPr>
-              <a:t>job_employer_city":"San</a:t>
-            </a:r>
-            <a:r>
-              <a:rPr lang="en-US" sz="2800" dirty="0">
-                <a:latin typeface="Cordia New" panose="020B0502040204020203" pitchFamily="34" charset="-34"/>
-                <a:cs typeface="Cordia New" panose="020B0502040204020203" pitchFamily="34" charset="-34"/>
-              </a:rPr>
-              <a:t> Diego, CA",</a:t>
-            </a:r>
-          </a:p>
-          <a:p>
-            <a:r>
-              <a:rPr lang="en-US" sz="2800" dirty="0">
-                <a:latin typeface="Cordia New" panose="020B0502040204020203" pitchFamily="34" charset="-34"/>
-                <a:cs typeface="Cordia New" panose="020B0502040204020203" pitchFamily="34" charset="-34"/>
-              </a:rPr>
-              <a:t> "</a:t>
-            </a:r>
-            <a:r>
-              <a:rPr lang="en-US" sz="2800" dirty="0" err="1">
-                <a:latin typeface="Cordia New" panose="020B0502040204020203" pitchFamily="34" charset="-34"/>
-                <a:cs typeface="Cordia New" panose="020B0502040204020203" pitchFamily="34" charset="-34"/>
-              </a:rPr>
-              <a:t>job_salary</a:t>
-            </a:r>
-            <a:r>
-              <a:rPr lang="en-US" sz="2800" dirty="0">
-                <a:latin typeface="Cordia New" panose="020B0502040204020203" pitchFamily="34" charset="-34"/>
-                <a:cs typeface="Cordia New" panose="020B0502040204020203" pitchFamily="34" charset="-34"/>
-              </a:rPr>
-              <a:t>":"$101k-$137k(Glassdoor Est.)",</a:t>
-            </a:r>
-          </a:p>
-          <a:p>
-            <a:r>
-              <a:rPr lang="en-US" sz="2800" dirty="0">
-                <a:latin typeface="Cordia New" panose="020B0502040204020203" pitchFamily="34" charset="-34"/>
-                <a:cs typeface="Cordia New" panose="020B0502040204020203" pitchFamily="34" charset="-34"/>
-              </a:rPr>
-              <a:t> "</a:t>
-            </a:r>
-            <a:r>
-              <a:rPr lang="en-US" sz="2800" dirty="0" err="1">
-                <a:latin typeface="Cordia New" panose="020B0502040204020203" pitchFamily="34" charset="-34"/>
-                <a:cs typeface="Cordia New" panose="020B0502040204020203" pitchFamily="34" charset="-34"/>
-              </a:rPr>
-              <a:t>job_description":"Experian</a:t>
-            </a:r>
-            <a:r>
-              <a:rPr lang="en-US" sz="2800" dirty="0">
-                <a:latin typeface="Cordia New" panose="020B0502040204020203" pitchFamily="34" charset="-34"/>
-                <a:cs typeface="Cordia New" panose="020B0502040204020203" pitchFamily="34" charset="-34"/>
-              </a:rPr>
-              <a:t> </a:t>
-            </a:r>
-            <a:r>
-              <a:rPr lang="en-US" sz="2800" dirty="0" err="1">
-                <a:latin typeface="Cordia New" panose="020B0502040204020203" pitchFamily="34" charset="-34"/>
-                <a:cs typeface="Cordia New" panose="020B0502040204020203" pitchFamily="34" charset="-34"/>
-              </a:rPr>
-              <a:t>DataLabs</a:t>
-            </a:r>
-            <a:r>
-              <a:rPr lang="en-US" sz="2800" dirty="0">
-                <a:latin typeface="Cordia New" panose="020B0502040204020203" pitchFamily="34" charset="-34"/>
-                <a:cs typeface="Cordia New" panose="020B0502040204020203" pitchFamily="34" charset="-34"/>
-              </a:rPr>
-              <a:t> is a R&amp;D unit at Experian ... open source </a:t>
-            </a:r>
-          </a:p>
-          <a:p>
-            <a:r>
-              <a:rPr lang="en-US" sz="2800" dirty="0">
-                <a:latin typeface="Cordia New" panose="020B0502040204020203" pitchFamily="34" charset="-34"/>
-                <a:cs typeface="Cordia New" panose="020B0502040204020203" pitchFamily="34" charset="-34"/>
-              </a:rPr>
-              <a:t>                   tools for deep learning and machine learning technology such </a:t>
-            </a:r>
-          </a:p>
-          <a:p>
-            <a:r>
-              <a:rPr lang="en-US" sz="2800" dirty="0">
-                <a:latin typeface="Cordia New" panose="020B0502040204020203" pitchFamily="34" charset="-34"/>
-                <a:cs typeface="Cordia New" panose="020B0502040204020203" pitchFamily="34" charset="-34"/>
-              </a:rPr>
-              <a:t>                   as </a:t>
-            </a:r>
-            <a:r>
-              <a:rPr lang="en-US" sz="2800" dirty="0" err="1">
-                <a:latin typeface="Cordia New" panose="020B0502040204020203" pitchFamily="34" charset="-34"/>
-                <a:cs typeface="Cordia New" panose="020B0502040204020203" pitchFamily="34" charset="-34"/>
-              </a:rPr>
-              <a:t>Keras</a:t>
-            </a:r>
-            <a:r>
-              <a:rPr lang="en-US" sz="2800" dirty="0">
-                <a:latin typeface="Cordia New" panose="020B0502040204020203" pitchFamily="34" charset="-34"/>
-                <a:cs typeface="Cordia New" panose="020B0502040204020203" pitchFamily="34" charset="-34"/>
-              </a:rPr>
-              <a:t>, </a:t>
-            </a:r>
-            <a:r>
-              <a:rPr lang="en-US" sz="2800" dirty="0" err="1">
-                <a:latin typeface="Cordia New" panose="020B0502040204020203" pitchFamily="34" charset="-34"/>
-                <a:cs typeface="Cordia New" panose="020B0502040204020203" pitchFamily="34" charset="-34"/>
-              </a:rPr>
-              <a:t>tensorflow</a:t>
-            </a:r>
-            <a:r>
-              <a:rPr lang="en-US" sz="2800" dirty="0">
-                <a:latin typeface="Cordia New" panose="020B0502040204020203" pitchFamily="34" charset="-34"/>
-                <a:cs typeface="Cordia New" panose="020B0502040204020203" pitchFamily="34" charset="-34"/>
-              </a:rPr>
-              <a:t>, </a:t>
-            </a:r>
-            <a:r>
-              <a:rPr lang="en-US" sz="2800" dirty="0" err="1">
-                <a:latin typeface="Cordia New" panose="020B0502040204020203" pitchFamily="34" charset="-34"/>
-                <a:cs typeface="Cordia New" panose="020B0502040204020203" pitchFamily="34" charset="-34"/>
-              </a:rPr>
-              <a:t>pytorch</a:t>
-            </a:r>
-            <a:r>
-              <a:rPr lang="en-US" sz="2800" dirty="0">
-                <a:latin typeface="Cordia New" panose="020B0502040204020203" pitchFamily="34" charset="-34"/>
-                <a:cs typeface="Cordia New" panose="020B0502040204020203" pitchFamily="34" charset="-34"/>
-              </a:rPr>
-              <a:t>, </a:t>
-            </a:r>
-            <a:r>
-              <a:rPr lang="en-US" sz="2800" dirty="0" err="1">
-                <a:latin typeface="Cordia New" panose="020B0502040204020203" pitchFamily="34" charset="-34"/>
-                <a:cs typeface="Cordia New" panose="020B0502040204020203" pitchFamily="34" charset="-34"/>
-              </a:rPr>
-              <a:t>scikit</a:t>
-            </a:r>
-            <a:r>
-              <a:rPr lang="en-US" sz="2800" dirty="0">
-                <a:latin typeface="Cordia New" panose="020B0502040204020203" pitchFamily="34" charset="-34"/>
-                <a:cs typeface="Cordia New" panose="020B0502040204020203" pitchFamily="34" charset="-34"/>
-              </a:rPr>
-              <a:t>-learn, pandas, ... </a:t>
-            </a:r>
-          </a:p>
-          <a:p>
-            <a:r>
-              <a:rPr lang="en-US" sz="2800" dirty="0">
-                <a:latin typeface="Cordia New" panose="020B0502040204020203" pitchFamily="34" charset="-34"/>
-                <a:cs typeface="Cordia New" panose="020B0502040204020203" pitchFamily="34" charset="-34"/>
-              </a:rPr>
-              <a:t>                   Python, R, Java, C++, ... data analysis ... associated companies...",                    </a:t>
-            </a:r>
-          </a:p>
-          <a:p>
-            <a:r>
-              <a:rPr lang="en-US" sz="2800" dirty="0">
-                <a:latin typeface="Cordia New" panose="020B0502040204020203" pitchFamily="34" charset="-34"/>
-                <a:cs typeface="Cordia New" panose="020B0502040204020203" pitchFamily="34" charset="-34"/>
-              </a:rPr>
-              <a:t> </a:t>
-            </a:r>
-            <a:r>
-              <a:rPr lang="en-US" sz="2800" dirty="0">
-                <a:solidFill>
-                  <a:srgbClr val="FFFF00"/>
-                </a:solidFill>
-                <a:latin typeface="Cordia New" panose="020B0502040204020203" pitchFamily="34" charset="-34"/>
-                <a:cs typeface="Cordia New" panose="020B0502040204020203" pitchFamily="34" charset="-34"/>
-              </a:rPr>
-              <a:t>"</a:t>
-            </a:r>
-            <a:r>
-              <a:rPr lang="en-US" sz="2800" dirty="0" err="1">
-                <a:solidFill>
-                  <a:srgbClr val="FFFF00"/>
-                </a:solidFill>
-                <a:latin typeface="Cordia New" panose="020B0502040204020203" pitchFamily="34" charset="-34"/>
-                <a:cs typeface="Cordia New" panose="020B0502040204020203" pitchFamily="34" charset="-34"/>
-              </a:rPr>
-              <a:t>job_skills</a:t>
-            </a:r>
-            <a:r>
-              <a:rPr lang="en-US" sz="2800" dirty="0">
-                <a:solidFill>
-                  <a:srgbClr val="FFFF00"/>
-                </a:solidFill>
-                <a:latin typeface="Cordia New" panose="020B0502040204020203" pitchFamily="34" charset="-34"/>
-                <a:cs typeface="Cordia New" panose="020B0502040204020203" pitchFamily="34" charset="-34"/>
-              </a:rPr>
-              <a:t>":["python","java","r","</a:t>
-            </a:r>
-            <a:r>
-              <a:rPr lang="en-US" sz="2800" dirty="0" err="1">
-                <a:solidFill>
-                  <a:srgbClr val="FFFF00"/>
-                </a:solidFill>
-                <a:latin typeface="Cordia New" panose="020B0502040204020203" pitchFamily="34" charset="-34"/>
-                <a:cs typeface="Cordia New" panose="020B0502040204020203" pitchFamily="34" charset="-34"/>
-              </a:rPr>
-              <a:t>sql</a:t>
-            </a:r>
-            <a:r>
-              <a:rPr lang="en-US" sz="2800" dirty="0">
-                <a:solidFill>
-                  <a:srgbClr val="FFFF00"/>
-                </a:solidFill>
-                <a:latin typeface="Cordia New" panose="020B0502040204020203" pitchFamily="34" charset="-34"/>
-                <a:cs typeface="Cordia New" panose="020B0502040204020203" pitchFamily="34" charset="-34"/>
-              </a:rPr>
-              <a:t>","pandas","c","</a:t>
-            </a:r>
-            <a:r>
-              <a:rPr lang="en-US" sz="2800" dirty="0" err="1">
-                <a:solidFill>
-                  <a:srgbClr val="FFFF00"/>
-                </a:solidFill>
-                <a:latin typeface="Cordia New" panose="020B0502040204020203" pitchFamily="34" charset="-34"/>
-                <a:cs typeface="Cordia New" panose="020B0502040204020203" pitchFamily="34" charset="-34"/>
-              </a:rPr>
-              <a:t>mongodb</a:t>
-            </a:r>
-            <a:r>
-              <a:rPr lang="en-US" sz="2800" dirty="0">
-                <a:solidFill>
-                  <a:srgbClr val="FFFF00"/>
-                </a:solidFill>
-                <a:latin typeface="Cordia New" panose="020B0502040204020203" pitchFamily="34" charset="-34"/>
-                <a:cs typeface="Cordia New" panose="020B0502040204020203" pitchFamily="34" charset="-34"/>
-              </a:rPr>
-              <a:t>","</a:t>
-            </a:r>
-            <a:r>
-              <a:rPr lang="en-US" sz="2800" dirty="0" err="1">
-                <a:solidFill>
-                  <a:srgbClr val="FFFF00"/>
-                </a:solidFill>
-                <a:latin typeface="Cordia New" panose="020B0502040204020203" pitchFamily="34" charset="-34"/>
-                <a:cs typeface="Cordia New" panose="020B0502040204020203" pitchFamily="34" charset="-34"/>
-              </a:rPr>
-              <a:t>tensorflow</a:t>
-            </a:r>
-            <a:r>
-              <a:rPr lang="en-US" sz="2800" dirty="0">
-                <a:solidFill>
-                  <a:srgbClr val="FFFF00"/>
-                </a:solidFill>
-                <a:latin typeface="Cordia New" panose="020B0502040204020203" pitchFamily="34" charset="-34"/>
-                <a:cs typeface="Cordia New" panose="020B0502040204020203" pitchFamily="34" charset="-34"/>
-              </a:rPr>
-              <a:t>“,…]</a:t>
-            </a:r>
-          </a:p>
-          <a:p>
-            <a:r>
-              <a:rPr lang="en-US" dirty="0">
-                <a:latin typeface="Cordia New" panose="020B0502040204020203" pitchFamily="34" charset="-34"/>
-                <a:cs typeface="Cordia New" panose="020B0502040204020203" pitchFamily="34" charset="-34"/>
-              </a:rPr>
-              <a:t>}</a:t>
-            </a:r>
-          </a:p>
-        </p:txBody>
-      </p:sp>
+      </p:pic>
     </p:spTree>
     <p:extLst>
       <p:ext uri="{BB962C8B-B14F-4D97-AF65-F5344CB8AC3E}">
@@ -6820,6 +6534,13 @@
   <p:clrMapOvr>
     <a:masterClrMapping/>
   </p:clrMapOvr>
+  <p:timing>
+    <p:tnLst>
+      <p:par>
+        <p:cTn xmlns:p14="http://schemas.microsoft.com/office/powerpoint/2010/main" id="1" dur="indefinite" restart="never" nodeType="tmRoot"/>
+      </p:par>
+    </p:tnLst>
+  </p:timing>
 </p:sld>
 </file>
 
@@ -6845,7 +6566,7 @@
           <p:cNvPr id="2" name="Title 1">
             <a:extLst>
               <a:ext uri="{FF2B5EF4-FFF2-40B4-BE49-F238E27FC236}">
-                <a16:creationId xmlns:a16="http://schemas.microsoft.com/office/drawing/2014/main" id="{945D048A-25BD-44BD-9CDE-26F1F66E322B}"/>
+                <a16:creationId xmlns:a16="http://schemas.microsoft.com/office/drawing/2014/main" xmlns="" id="{945D048A-25BD-44BD-9CDE-26F1F66E322B}"/>
               </a:ext>
             </a:extLst>
           </p:cNvPr>
@@ -6858,25 +6579,70 @@
         </p:nvSpPr>
         <p:spPr>
           <a:xfrm>
-            <a:off x="6861209" y="526296"/>
-            <a:ext cx="5330791" cy="2732470"/>
+            <a:off x="7021975" y="494146"/>
+            <a:ext cx="4553090" cy="1483080"/>
           </a:xfrm>
         </p:spPr>
         <p:txBody>
           <a:bodyPr wrap="square">
-            <a:normAutofit/>
+            <a:normAutofit fontScale="90000"/>
           </a:bodyPr>
           <a:lstStyle/>
           <a:p>
-            <a:pPr algn="l"/>
-            <a:r>
-              <a:rPr lang="en-US" sz="4400" dirty="0">
+            <a:pPr algn="ctr"/>
+            <a:r>
+              <a:rPr lang="en-US" sz="3600" dirty="0" smtClean="0">
                 <a:effectLst/>
-                <a:latin typeface="Arial" panose="020B0604020202020204" pitchFamily="34" charset="0"/>
-                <a:cs typeface="Arial" panose="020B0604020202020204" pitchFamily="34" charset="0"/>
+                <a:latin typeface="Arial"/>
+                <a:cs typeface="Arial"/>
               </a:rPr>
-              <a:t>Top “Data Scientist” skills list in Glassdoor</a:t>
-            </a:r>
+              <a:t>Most Frequent </a:t>
+            </a:r>
+            <a:r>
+              <a:rPr lang="en-US" sz="3600" dirty="0" smtClean="0">
+                <a:effectLst/>
+                <a:latin typeface="Arial"/>
+                <a:cs typeface="Arial"/>
+              </a:rPr>
+              <a:t>Skills </a:t>
+            </a:r>
+            <a:r>
+              <a:rPr lang="en-US" sz="3600" dirty="0" smtClean="0">
+                <a:effectLst/>
+                <a:latin typeface="Arial"/>
+                <a:cs typeface="Arial"/>
+              </a:rPr>
+              <a:t>in </a:t>
+            </a:r>
+            <a:r>
+              <a:rPr lang="en-US" sz="3600" dirty="0" smtClean="0">
+                <a:effectLst/>
+                <a:latin typeface="Arial"/>
+                <a:cs typeface="Arial"/>
+              </a:rPr>
+              <a:t>“</a:t>
+            </a:r>
+            <a:r>
+              <a:rPr lang="en-US" sz="3600" dirty="0">
+                <a:effectLst/>
+                <a:latin typeface="Arial"/>
+                <a:cs typeface="Arial"/>
+              </a:rPr>
+              <a:t>Data Scientist” </a:t>
+            </a:r>
+            <a:r>
+              <a:rPr lang="en-US" sz="3600" dirty="0" smtClean="0">
+                <a:effectLst/>
+                <a:latin typeface="Arial"/>
+                <a:cs typeface="Arial"/>
+              </a:rPr>
+              <a:t>Job Descriptions</a:t>
+            </a:r>
+            <a:endParaRPr lang="en-US" sz="3600" dirty="0">
+              <a:effectLst/>
+              <a:latin typeface="Arial"/>
+              <a:cs typeface="Arial"/>
+            </a:endParaRPr>
           </a:p>
         </p:txBody>
       </p:sp>
@@ -6885,7 +6651,7 @@
           <p:cNvPr id="5" name="Picture 4">
             <a:extLst>
               <a:ext uri="{FF2B5EF4-FFF2-40B4-BE49-F238E27FC236}">
-                <a16:creationId xmlns:a16="http://schemas.microsoft.com/office/drawing/2014/main" id="{FAE9CEAD-6DF4-4486-A233-81CCED53E959}"/>
+                <a16:creationId xmlns:a16="http://schemas.microsoft.com/office/drawing/2014/main" xmlns="" id="{FAE9CEAD-6DF4-4486-A233-81CCED53E959}"/>
               </a:ext>
             </a:extLst>
           </p:cNvPr>
@@ -6939,6 +6705,13 @@
   <p:clrMapOvr>
     <a:masterClrMapping/>
   </p:clrMapOvr>
+  <p:timing>
+    <p:tnLst>
+      <p:par>
+        <p:cTn xmlns:p14="http://schemas.microsoft.com/office/powerpoint/2010/main" id="1" dur="indefinite" restart="never" nodeType="tmRoot"/>
+      </p:par>
+    </p:tnLst>
+  </p:timing>
 </p:sld>
 </file>
 
@@ -6985,7 +6758,7 @@
     </a:clrScheme>
     <a:fontScheme name="Depth">
       <a:majorFont>
-        <a:latin typeface="Corbel" panose="020B0503020204020204"/>
+        <a:latin typeface="Corbel"/>
         <a:ea typeface=""/>
         <a:cs typeface=""/>
         <a:font script="Jpan" typeface="メイリオ"/>
@@ -7020,7 +6793,7 @@
         <a:font script="Geor" typeface="Sylfaen"/>
       </a:majorFont>
       <a:minorFont>
-        <a:latin typeface="Corbel" panose="020B0503020204020204"/>
+        <a:latin typeface="Corbel"/>
         <a:ea typeface=""/>
         <a:cs typeface=""/>
         <a:font script="Jpan" typeface="メイリオ"/>
@@ -7197,7 +6970,7 @@
   <a:extraClrSchemeLst/>
   <a:extLst>
     <a:ext uri="{05A4C25C-085E-4340-85A3-A5531E510DB2}">
-      <thm15:themeFamily xmlns:thm15="http://schemas.microsoft.com/office/thememl/2012/main" name="Depth" id="{7BEAFC2A-325C-49C4-AC08-2B765DA903F9}" vid="{1735E755-43E6-43AA-ABA2-C989ECC79AF5}"/>
+      <thm15:themeFamily xmlns:thm15="http://schemas.microsoft.com/office/thememl/2012/main" xmlns="" name="Depth" id="{7BEAFC2A-325C-49C4-AC08-2B765DA903F9}" vid="{1735E755-43E6-43AA-ABA2-C989ECC79AF5}"/>
     </a:ext>
   </a:extLst>
 </a:theme>

--- a/glassdoor_etl_project.pptx
+++ b/glassdoor_etl_project.pptx
@@ -9,6 +9,8 @@
     <p:sldId id="257" r:id="rId3"/>
     <p:sldId id="258" r:id="rId4"/>
     <p:sldId id="259" r:id="rId5"/>
+    <p:sldId id="260" r:id="rId6"/>
+    <p:sldId id="261" r:id="rId7"/>
   </p:sldIdLst>
   <p:sldSz cx="12192000" cy="6858000"/>
   <p:notesSz cx="6858000" cy="9144000"/>
@@ -109,7 +111,18 @@
   </p:defaultTextStyle>
   <p:extLst>
     <p:ext uri="{EFAFB233-063F-42B5-8137-9DF3F51BA10A}">
-      <p15:sldGuideLst xmlns:p15="http://schemas.microsoft.com/office/powerpoint/2012/main" xmlns=""/>
+      <p15:sldGuideLst xmlns:p15="http://schemas.microsoft.com/office/powerpoint/2012/main">
+        <p15:guide id="1" orient="horz" pos="2160">
+          <p15:clr>
+            <a:srgbClr val="A4A3A4"/>
+          </p15:clr>
+        </p15:guide>
+        <p15:guide id="2" pos="3840">
+          <p15:clr>
+            <a:srgbClr val="A4A3A4"/>
+          </p15:clr>
+        </p15:guide>
+      </p15:sldGuideLst>
     </p:ext>
   </p:extLst>
 </p:presentation>
@@ -311,7 +324,7 @@
           <a:p>
             <a:fld id="{7B9C8ED8-08EF-4D00-A2D1-CF2E3BB429CE}" type="datetimeFigureOut">
               <a:rPr lang="en-US" smtClean="0"/>
-              <a:t>4/18/19</a:t>
+              <a:t>4/18/2019</a:t>
             </a:fld>
             <a:endParaRPr lang="en-US"/>
           </a:p>
@@ -371,7 +384,7 @@
   </p:clrMapOvr>
   <p:extLst>
     <p:ext uri="{DCECCB84-F9BA-43D5-87BE-67443E8EF086}">
-      <p15:sldGuideLst xmlns:p15="http://schemas.microsoft.com/office/powerpoint/2012/main" xmlns=""/>
+      <p15:sldGuideLst xmlns:p15="http://schemas.microsoft.com/office/powerpoint/2012/main"/>
     </p:ext>
   </p:extLst>
 </p:sldLayout>
@@ -597,7 +610,7 @@
           <a:p>
             <a:fld id="{7B9C8ED8-08EF-4D00-A2D1-CF2E3BB429CE}" type="datetimeFigureOut">
               <a:rPr lang="en-US" smtClean="0"/>
-              <a:t>4/18/19</a:t>
+              <a:t>4/18/2019</a:t>
             </a:fld>
             <a:endParaRPr lang="en-US"/>
           </a:p>
@@ -789,7 +802,7 @@
           <a:p>
             <a:fld id="{7B9C8ED8-08EF-4D00-A2D1-CF2E3BB429CE}" type="datetimeFigureOut">
               <a:rPr lang="en-US" smtClean="0"/>
-              <a:t>4/18/19</a:t>
+              <a:t>4/18/2019</a:t>
             </a:fld>
             <a:endParaRPr lang="en-US"/>
           </a:p>
@@ -1050,7 +1063,7 @@
           <a:p>
             <a:fld id="{7B9C8ED8-08EF-4D00-A2D1-CF2E3BB429CE}" type="datetimeFigureOut">
               <a:rPr lang="en-US" smtClean="0"/>
-              <a:t>4/18/19</a:t>
+              <a:t>4/18/2019</a:t>
             </a:fld>
             <a:endParaRPr lang="en-US"/>
           </a:p>
@@ -1476,7 +1489,7 @@
           <a:p>
             <a:fld id="{7B9C8ED8-08EF-4D00-A2D1-CF2E3BB429CE}" type="datetimeFigureOut">
               <a:rPr lang="en-US" smtClean="0"/>
-              <a:t>4/18/19</a:t>
+              <a:t>4/18/2019</a:t>
             </a:fld>
             <a:endParaRPr lang="en-US"/>
           </a:p>
@@ -2022,7 +2035,7 @@
           <a:p>
             <a:fld id="{7B9C8ED8-08EF-4D00-A2D1-CF2E3BB429CE}" type="datetimeFigureOut">
               <a:rPr lang="en-US" smtClean="0"/>
-              <a:t>4/18/19</a:t>
+              <a:t>4/18/2019</a:t>
             </a:fld>
             <a:endParaRPr lang="en-US"/>
           </a:p>
@@ -2853,7 +2866,7 @@
           <a:p>
             <a:fld id="{7B9C8ED8-08EF-4D00-A2D1-CF2E3BB429CE}" type="datetimeFigureOut">
               <a:rPr lang="en-US" smtClean="0"/>
-              <a:t>4/18/19</a:t>
+              <a:t>4/18/2019</a:t>
             </a:fld>
             <a:endParaRPr lang="en-US"/>
           </a:p>
@@ -3023,7 +3036,7 @@
           <a:p>
             <a:fld id="{7B9C8ED8-08EF-4D00-A2D1-CF2E3BB429CE}" type="datetimeFigureOut">
               <a:rPr lang="en-US" smtClean="0"/>
-              <a:t>4/18/19</a:t>
+              <a:t>4/18/2019</a:t>
             </a:fld>
             <a:endParaRPr lang="en-US"/>
           </a:p>
@@ -3203,7 +3216,7 @@
           <a:p>
             <a:fld id="{7B9C8ED8-08EF-4D00-A2D1-CF2E3BB429CE}" type="datetimeFigureOut">
               <a:rPr lang="en-US" smtClean="0"/>
-              <a:t>4/18/19</a:t>
+              <a:t>4/18/2019</a:t>
             </a:fld>
             <a:endParaRPr lang="en-US"/>
           </a:p>
@@ -3263,7 +3276,7 @@
   </p:clrMapOvr>
   <p:extLst>
     <p:ext uri="{DCECCB84-F9BA-43D5-87BE-67443E8EF086}">
-      <p15:sldGuideLst xmlns:p15="http://schemas.microsoft.com/office/powerpoint/2012/main" xmlns=""/>
+      <p15:sldGuideLst xmlns:p15="http://schemas.microsoft.com/office/powerpoint/2012/main"/>
     </p:ext>
   </p:extLst>
 </p:sldLayout>
@@ -3378,7 +3391,7 @@
           <a:p>
             <a:fld id="{7B9C8ED8-08EF-4D00-A2D1-CF2E3BB429CE}" type="datetimeFigureOut">
               <a:rPr lang="en-US" smtClean="0"/>
-              <a:t>4/18/19</a:t>
+              <a:t>4/18/2019</a:t>
             </a:fld>
             <a:endParaRPr lang="en-US"/>
           </a:p>
@@ -3635,7 +3648,7 @@
           <a:p>
             <a:fld id="{7B9C8ED8-08EF-4D00-A2D1-CF2E3BB429CE}" type="datetimeFigureOut">
               <a:rPr lang="en-US" smtClean="0"/>
-              <a:t>4/18/19</a:t>
+              <a:t>4/18/2019</a:t>
             </a:fld>
             <a:endParaRPr lang="en-US"/>
           </a:p>
@@ -3695,7 +3708,7 @@
   </p:clrMapOvr>
   <p:extLst>
     <p:ext uri="{DCECCB84-F9BA-43D5-87BE-67443E8EF086}">
-      <p15:sldGuideLst xmlns:p15="http://schemas.microsoft.com/office/powerpoint/2012/main" xmlns=""/>
+      <p15:sldGuideLst xmlns:p15="http://schemas.microsoft.com/office/powerpoint/2012/main"/>
     </p:ext>
   </p:extLst>
 </p:sldLayout>
@@ -3872,7 +3885,7 @@
           <a:p>
             <a:fld id="{7B9C8ED8-08EF-4D00-A2D1-CF2E3BB429CE}" type="datetimeFigureOut">
               <a:rPr lang="en-US" smtClean="0"/>
-              <a:t>4/18/19</a:t>
+              <a:t>4/18/2019</a:t>
             </a:fld>
             <a:endParaRPr lang="en-US"/>
           </a:p>
@@ -4265,7 +4278,7 @@
           <a:p>
             <a:fld id="{7B9C8ED8-08EF-4D00-A2D1-CF2E3BB429CE}" type="datetimeFigureOut">
               <a:rPr lang="en-US" smtClean="0"/>
-              <a:t>4/18/19</a:t>
+              <a:t>4/18/2019</a:t>
             </a:fld>
             <a:endParaRPr lang="en-US"/>
           </a:p>
@@ -4383,7 +4396,7 @@
           <a:p>
             <a:fld id="{7B9C8ED8-08EF-4D00-A2D1-CF2E3BB429CE}" type="datetimeFigureOut">
               <a:rPr lang="en-US" smtClean="0"/>
-              <a:t>4/18/19</a:t>
+              <a:t>4/18/2019</a:t>
             </a:fld>
             <a:endParaRPr lang="en-US"/>
           </a:p>
@@ -4478,7 +4491,7 @@
           <a:p>
             <a:fld id="{7B9C8ED8-08EF-4D00-A2D1-CF2E3BB429CE}" type="datetimeFigureOut">
               <a:rPr lang="en-US" smtClean="0"/>
-              <a:t>4/18/19</a:t>
+              <a:t>4/18/2019</a:t>
             </a:fld>
             <a:endParaRPr lang="en-US"/>
           </a:p>
@@ -4751,7 +4764,7 @@
           <a:p>
             <a:fld id="{7B9C8ED8-08EF-4D00-A2D1-CF2E3BB429CE}" type="datetimeFigureOut">
               <a:rPr lang="en-US" smtClean="0"/>
-              <a:t>4/18/19</a:t>
+              <a:t>4/18/2019</a:t>
             </a:fld>
             <a:endParaRPr lang="en-US"/>
           </a:p>
@@ -5032,7 +5045,7 @@
           <a:p>
             <a:fld id="{7B9C8ED8-08EF-4D00-A2D1-CF2E3BB429CE}" type="datetimeFigureOut">
               <a:rPr lang="en-US" smtClean="0"/>
-              <a:t>4/18/19</a:t>
+              <a:t>4/18/2019</a:t>
             </a:fld>
             <a:endParaRPr lang="en-US"/>
           </a:p>
@@ -5272,7 +5285,7 @@
           <a:p>
             <a:fld id="{7B9C8ED8-08EF-4D00-A2D1-CF2E3BB429CE}" type="datetimeFigureOut">
               <a:rPr lang="en-US" smtClean="0"/>
-              <a:t>4/18/19</a:t>
+              <a:t>4/18/2019</a:t>
             </a:fld>
             <a:endParaRPr lang="en-US"/>
           </a:p>
@@ -5816,7 +5829,7 @@
   </p:txStyles>
   <p:extLst>
     <p:ext uri="{27BBF7A9-308A-43DC-89C8-2F10F3537804}">
-      <p15:sldGuideLst xmlns:p15="http://schemas.microsoft.com/office/powerpoint/2012/main" xmlns=""/>
+      <p15:sldGuideLst xmlns:p15="http://schemas.microsoft.com/office/powerpoint/2012/main"/>
     </p:ext>
   </p:extLst>
 </p:sldMaster>
@@ -5844,7 +5857,7 @@
           <p:cNvPr id="2" name="Title 1">
             <a:extLst>
               <a:ext uri="{FF2B5EF4-FFF2-40B4-BE49-F238E27FC236}">
-                <a16:creationId xmlns:a16="http://schemas.microsoft.com/office/drawing/2014/main" xmlns="" id="{945D048A-25BD-44BD-9CDE-26F1F66E322B}"/>
+                <a16:creationId xmlns:a16="http://schemas.microsoft.com/office/drawing/2014/main" id="{945D048A-25BD-44BD-9CDE-26F1F66E322B}"/>
               </a:ext>
             </a:extLst>
           </p:cNvPr>
@@ -5899,7 +5912,7 @@
           <p:cNvPr id="3" name="Subtitle 2">
             <a:extLst>
               <a:ext uri="{FF2B5EF4-FFF2-40B4-BE49-F238E27FC236}">
-                <a16:creationId xmlns:a16="http://schemas.microsoft.com/office/drawing/2014/main" xmlns="" id="{1BF0B9B0-D2DC-4EA8-BB2A-BAAFC823900F}"/>
+                <a16:creationId xmlns:a16="http://schemas.microsoft.com/office/drawing/2014/main" id="{1BF0B9B0-D2DC-4EA8-BB2A-BAAFC823900F}"/>
               </a:ext>
             </a:extLst>
           </p:cNvPr>
@@ -6037,7 +6050,7 @@
           <p:cNvPr id="8" name="Picture 7">
             <a:extLst>
               <a:ext uri="{FF2B5EF4-FFF2-40B4-BE49-F238E27FC236}">
-                <a16:creationId xmlns:a16="http://schemas.microsoft.com/office/drawing/2014/main" xmlns="" id="{782CB723-B166-429F-B4A7-CB1DDEBCA1DF}"/>
+                <a16:creationId xmlns:a16="http://schemas.microsoft.com/office/drawing/2014/main" id="{782CB723-B166-429F-B4A7-CB1DDEBCA1DF}"/>
               </a:ext>
             </a:extLst>
           </p:cNvPr>
@@ -6085,7 +6098,7 @@
           <p:cNvPr id="9" name="Rectangle: Rounded Corners 8">
             <a:extLst>
               <a:ext uri="{FF2B5EF4-FFF2-40B4-BE49-F238E27FC236}">
-                <a16:creationId xmlns:a16="http://schemas.microsoft.com/office/drawing/2014/main" xmlns="" id="{04936403-6A0A-483E-95D7-90A2C050DEB1}"/>
+                <a16:creationId xmlns:a16="http://schemas.microsoft.com/office/drawing/2014/main" id="{04936403-6A0A-483E-95D7-90A2C050DEB1}"/>
               </a:ext>
             </a:extLst>
           </p:cNvPr>
@@ -6137,7 +6150,7 @@
           <p:cNvPr id="10" name="Rectangle: Rounded Corners 9">
             <a:extLst>
               <a:ext uri="{FF2B5EF4-FFF2-40B4-BE49-F238E27FC236}">
-                <a16:creationId xmlns:a16="http://schemas.microsoft.com/office/drawing/2014/main" xmlns="" id="{0BB5E357-CDFC-4DDD-8B0F-603CAE4F2AF2}"/>
+                <a16:creationId xmlns:a16="http://schemas.microsoft.com/office/drawing/2014/main" id="{0BB5E357-CDFC-4DDD-8B0F-603CAE4F2AF2}"/>
               </a:ext>
             </a:extLst>
           </p:cNvPr>
@@ -6189,7 +6202,7 @@
           <p:cNvPr id="12" name="Picture 11">
             <a:extLst>
               <a:ext uri="{FF2B5EF4-FFF2-40B4-BE49-F238E27FC236}">
-                <a16:creationId xmlns:a16="http://schemas.microsoft.com/office/drawing/2014/main" xmlns="" id="{3A91F53D-A908-4D71-9557-E8B681D4BD99}"/>
+                <a16:creationId xmlns:a16="http://schemas.microsoft.com/office/drawing/2014/main" id="{3A91F53D-A908-4D71-9557-E8B681D4BD99}"/>
               </a:ext>
             </a:extLst>
           </p:cNvPr>
@@ -6232,7 +6245,7 @@
           <p:cNvPr id="14" name="Rectangle: Rounded Corners 13">
             <a:extLst>
               <a:ext uri="{FF2B5EF4-FFF2-40B4-BE49-F238E27FC236}">
-                <a16:creationId xmlns:a16="http://schemas.microsoft.com/office/drawing/2014/main" xmlns="" id="{B0C642B7-E23C-4657-880B-D872E86F18D5}"/>
+                <a16:creationId xmlns:a16="http://schemas.microsoft.com/office/drawing/2014/main" id="{B0C642B7-E23C-4657-880B-D872E86F18D5}"/>
               </a:ext>
             </a:extLst>
           </p:cNvPr>
@@ -6284,7 +6297,7 @@
           <p:cNvPr id="15" name="Arrow: Left-Up 14">
             <a:extLst>
               <a:ext uri="{FF2B5EF4-FFF2-40B4-BE49-F238E27FC236}">
-                <a16:creationId xmlns:a16="http://schemas.microsoft.com/office/drawing/2014/main" xmlns="" id="{F9F7711B-99CE-475D-B1B0-CE400DB07636}"/>
+                <a16:creationId xmlns:a16="http://schemas.microsoft.com/office/drawing/2014/main" id="{F9F7711B-99CE-475D-B1B0-CE400DB07636}"/>
               </a:ext>
             </a:extLst>
           </p:cNvPr>
@@ -6360,14 +6373,14 @@
           <a:lstStyle/>
           <a:p>
             <a:r>
-              <a:rPr lang="en-US" dirty="0" smtClean="0">
+              <a:rPr lang="en-US" dirty="0">
                 <a:latin typeface="Arial"/>
                 <a:cs typeface="Arial"/>
               </a:rPr>
               <a:t>1. Extract skills/tags from </a:t>
             </a:r>
             <a:r>
-              <a:rPr lang="en-US" dirty="0" err="1" smtClean="0">
+              <a:rPr lang="en-US" dirty="0" err="1">
                 <a:latin typeface="Arial"/>
                 <a:cs typeface="Arial"/>
               </a:rPr>
@@ -6407,19 +6420,8 @@
                 <a:latin typeface="Arial"/>
                 <a:cs typeface="Arial"/>
               </a:rPr>
-              <a:t>2</a:t>
-            </a:r>
-            <a:r>
-              <a:rPr lang="en-US" dirty="0" smtClean="0">
-                <a:latin typeface="Arial"/>
-                <a:cs typeface="Arial"/>
-              </a:rPr>
-              <a:t>. Match tags to job descriptions</a:t>
-            </a:r>
-            <a:endParaRPr lang="en-US" dirty="0">
-              <a:latin typeface="Arial"/>
-              <a:cs typeface="Arial"/>
-            </a:endParaRPr>
+              <a:t>2. Match tags to job descriptions</a:t>
+            </a:r>
           </a:p>
         </p:txBody>
       </p:sp>
@@ -6433,13 +6435,6 @@
   <p:clrMapOvr>
     <a:masterClrMapping/>
   </p:clrMapOvr>
-  <p:timing>
-    <p:tnLst>
-      <p:par>
-        <p:cTn xmlns:p14="http://schemas.microsoft.com/office/powerpoint/2010/main" id="1" dur="indefinite" restart="never" nodeType="tmRoot"/>
-      </p:par>
-    </p:tnLst>
-  </p:timing>
 </p:sld>
 </file>
 
@@ -6465,7 +6460,7 @@
           <p:cNvPr id="2" name="Title 1">
             <a:extLst>
               <a:ext uri="{FF2B5EF4-FFF2-40B4-BE49-F238E27FC236}">
-                <a16:creationId xmlns:a16="http://schemas.microsoft.com/office/drawing/2014/main" xmlns="" id="{945D048A-25BD-44BD-9CDE-26F1F66E322B}"/>
+                <a16:creationId xmlns:a16="http://schemas.microsoft.com/office/drawing/2014/main" id="{945D048A-25BD-44BD-9CDE-26F1F66E322B}"/>
               </a:ext>
             </a:extLst>
           </p:cNvPr>
@@ -6534,13 +6529,6 @@
   <p:clrMapOvr>
     <a:masterClrMapping/>
   </p:clrMapOvr>
-  <p:timing>
-    <p:tnLst>
-      <p:par>
-        <p:cTn xmlns:p14="http://schemas.microsoft.com/office/powerpoint/2010/main" id="1" dur="indefinite" restart="never" nodeType="tmRoot"/>
-      </p:par>
-    </p:tnLst>
-  </p:timing>
 </p:sld>
 </file>
 
@@ -6566,7 +6554,7 @@
           <p:cNvPr id="2" name="Title 1">
             <a:extLst>
               <a:ext uri="{FF2B5EF4-FFF2-40B4-BE49-F238E27FC236}">
-                <a16:creationId xmlns:a16="http://schemas.microsoft.com/office/drawing/2014/main" xmlns="" id="{945D048A-25BD-44BD-9CDE-26F1F66E322B}"/>
+                <a16:creationId xmlns:a16="http://schemas.microsoft.com/office/drawing/2014/main" id="{945D048A-25BD-44BD-9CDE-26F1F66E322B}"/>
               </a:ext>
             </a:extLst>
           </p:cNvPr>
@@ -6591,58 +6579,13 @@
           <a:p>
             <a:pPr algn="ctr"/>
             <a:r>
-              <a:rPr lang="en-US" sz="3600" dirty="0" smtClean="0">
-                <a:effectLst/>
-                <a:latin typeface="Arial"/>
-                <a:cs typeface="Arial"/>
-              </a:rPr>
-              <a:t>Most Frequent </a:t>
-            </a:r>
-            <a:r>
-              <a:rPr lang="en-US" sz="3600" dirty="0" smtClean="0">
-                <a:effectLst/>
-                <a:latin typeface="Arial"/>
-                <a:cs typeface="Arial"/>
-              </a:rPr>
-              <a:t>Skills </a:t>
-            </a:r>
-            <a:r>
-              <a:rPr lang="en-US" sz="3600" dirty="0" smtClean="0">
-                <a:effectLst/>
-                <a:latin typeface="Arial"/>
-                <a:cs typeface="Arial"/>
-              </a:rPr>
-              <a:t>in </a:t>
-            </a:r>
-            <a:r>
-              <a:rPr lang="en-US" sz="3600" dirty="0" smtClean="0">
-                <a:effectLst/>
-                <a:latin typeface="Arial"/>
-                <a:cs typeface="Arial"/>
-              </a:rPr>
-              <a:t>“</a:t>
-            </a:r>
-            <a:r>
               <a:rPr lang="en-US" sz="3600" dirty="0">
                 <a:effectLst/>
                 <a:latin typeface="Arial"/>
                 <a:cs typeface="Arial"/>
               </a:rPr>
-              <a:t>Data Scientist” </a:t>
-            </a:r>
-            <a:r>
-              <a:rPr lang="en-US" sz="3600" dirty="0" smtClean="0">
-                <a:effectLst/>
-                <a:latin typeface="Arial"/>
-                <a:cs typeface="Arial"/>
-              </a:rPr>
-              <a:t>Job Descriptions</a:t>
-            </a:r>
-            <a:endParaRPr lang="en-US" sz="3600" dirty="0">
-              <a:effectLst/>
-              <a:latin typeface="Arial"/>
-              <a:cs typeface="Arial"/>
-            </a:endParaRPr>
+              <a:t>Most Frequent Skills in “Data Scientist” Job Descriptions</a:t>
+            </a:r>
           </a:p>
         </p:txBody>
       </p:sp>
@@ -6651,7 +6594,7 @@
           <p:cNvPr id="5" name="Picture 4">
             <a:extLst>
               <a:ext uri="{FF2B5EF4-FFF2-40B4-BE49-F238E27FC236}">
-                <a16:creationId xmlns:a16="http://schemas.microsoft.com/office/drawing/2014/main" xmlns="" id="{FAE9CEAD-6DF4-4486-A233-81CCED53E959}"/>
+                <a16:creationId xmlns:a16="http://schemas.microsoft.com/office/drawing/2014/main" id="{FAE9CEAD-6DF4-4486-A233-81CCED53E959}"/>
               </a:ext>
             </a:extLst>
           </p:cNvPr>
@@ -6705,13 +6648,241 @@
   <p:clrMapOvr>
     <a:masterClrMapping/>
   </p:clrMapOvr>
-  <p:timing>
-    <p:tnLst>
-      <p:par>
-        <p:cTn xmlns:p14="http://schemas.microsoft.com/office/powerpoint/2010/main" id="1" dur="indefinite" restart="never" nodeType="tmRoot"/>
-      </p:par>
-    </p:tnLst>
-  </p:timing>
+</p:sld>
+</file>
+
+<file path=ppt/slides/slide5.xml><?xml version="1.0" encoding="utf-8"?>
+<p:sld xmlns:a="http://schemas.openxmlformats.org/drawingml/2006/main" xmlns:r="http://schemas.openxmlformats.org/officeDocument/2006/relationships" xmlns:p="http://schemas.openxmlformats.org/presentationml/2006/main">
+  <p:cSld>
+    <p:spTree>
+      <p:nvGrpSpPr>
+        <p:cNvPr id="1" name=""/>
+        <p:cNvGrpSpPr/>
+        <p:nvPr/>
+      </p:nvGrpSpPr>
+      <p:grpSpPr>
+        <a:xfrm>
+          <a:off x="0" y="0"/>
+          <a:ext cx="0" cy="0"/>
+          <a:chOff x="0" y="0"/>
+          <a:chExt cx="0" cy="0"/>
+        </a:xfrm>
+      </p:grpSpPr>
+      <p:sp>
+        <p:nvSpPr>
+          <p:cNvPr id="2" name="Title 1">
+            <a:extLst>
+              <a:ext uri="{FF2B5EF4-FFF2-40B4-BE49-F238E27FC236}">
+                <a16:creationId xmlns:a16="http://schemas.microsoft.com/office/drawing/2014/main" id="{A0ED9871-8D2E-49FD-A159-C1D3117F12DD}"/>
+              </a:ext>
+            </a:extLst>
+          </p:cNvPr>
+          <p:cNvSpPr>
+            <a:spLocks noGrp="1"/>
+          </p:cNvSpPr>
+          <p:nvPr>
+            <p:ph type="title"/>
+          </p:nvPr>
+        </p:nvSpPr>
+        <p:spPr/>
+        <p:txBody>
+          <a:bodyPr/>
+          <a:lstStyle/>
+          <a:p>
+            <a:r>
+              <a:rPr lang="en-US" dirty="0"/>
+              <a:t>Challenges</a:t>
+            </a:r>
+          </a:p>
+        </p:txBody>
+      </p:sp>
+      <p:sp>
+        <p:nvSpPr>
+          <p:cNvPr id="3" name="Content Placeholder 2">
+            <a:extLst>
+              <a:ext uri="{FF2B5EF4-FFF2-40B4-BE49-F238E27FC236}">
+                <a16:creationId xmlns:a16="http://schemas.microsoft.com/office/drawing/2014/main" id="{0A11DF86-5E13-4637-9D77-FD15316D01FA}"/>
+              </a:ext>
+            </a:extLst>
+          </p:cNvPr>
+          <p:cNvSpPr>
+            <a:spLocks noGrp="1"/>
+          </p:cNvSpPr>
+          <p:nvPr>
+            <p:ph idx="1"/>
+          </p:nvPr>
+        </p:nvSpPr>
+        <p:spPr/>
+        <p:txBody>
+          <a:bodyPr/>
+          <a:lstStyle/>
+          <a:p>
+            <a:r>
+              <a:rPr lang="en-US" dirty="0"/>
+              <a:t>Scraping the Skill Sets in the Job Description and adding to the </a:t>
+            </a:r>
+            <a:r>
+              <a:rPr lang="en-US" dirty="0" err="1"/>
+              <a:t>Mongodb</a:t>
+            </a:r>
+            <a:r>
+              <a:rPr lang="en-US" dirty="0"/>
+              <a:t>. </a:t>
+            </a:r>
+          </a:p>
+          <a:p>
+            <a:endParaRPr lang="en-US" dirty="0"/>
+          </a:p>
+          <a:p>
+            <a:r>
+              <a:rPr lang="en-US" dirty="0"/>
+              <a:t>When we used regular expression to compare skill sets ‘c++’ was odd man out we used regular expression escape ‘++’</a:t>
+            </a:r>
+          </a:p>
+          <a:p>
+            <a:endParaRPr lang="en-US" dirty="0"/>
+          </a:p>
+          <a:p>
+            <a:r>
+              <a:rPr lang="en-US" dirty="0"/>
+              <a:t>Not all question tags in Stack Overflow were skills necessarily, yet they matched in the job description text in other general areas of the </a:t>
+            </a:r>
+            <a:r>
+              <a:rPr lang="en-US"/>
+              <a:t>job description.</a:t>
+            </a:r>
+            <a:endParaRPr lang="en-US" dirty="0"/>
+          </a:p>
+          <a:p>
+            <a:endParaRPr lang="en-US" dirty="0"/>
+          </a:p>
+          <a:p>
+            <a:endParaRPr lang="en-US" dirty="0"/>
+          </a:p>
+        </p:txBody>
+      </p:sp>
+    </p:spTree>
+    <p:extLst>
+      <p:ext uri="{BB962C8B-B14F-4D97-AF65-F5344CB8AC3E}">
+        <p14:creationId xmlns:p14="http://schemas.microsoft.com/office/powerpoint/2010/main" val="3997769605"/>
+      </p:ext>
+    </p:extLst>
+  </p:cSld>
+  <p:clrMapOvr>
+    <a:masterClrMapping/>
+  </p:clrMapOvr>
+</p:sld>
+</file>
+
+<file path=ppt/slides/slide6.xml><?xml version="1.0" encoding="utf-8"?>
+<p:sld xmlns:a="http://schemas.openxmlformats.org/drawingml/2006/main" xmlns:r="http://schemas.openxmlformats.org/officeDocument/2006/relationships" xmlns:p="http://schemas.openxmlformats.org/presentationml/2006/main">
+  <p:cSld>
+    <p:spTree>
+      <p:nvGrpSpPr>
+        <p:cNvPr id="1" name=""/>
+        <p:cNvGrpSpPr/>
+        <p:nvPr/>
+      </p:nvGrpSpPr>
+      <p:grpSpPr>
+        <a:xfrm>
+          <a:off x="0" y="0"/>
+          <a:ext cx="0" cy="0"/>
+          <a:chOff x="0" y="0"/>
+          <a:chExt cx="0" cy="0"/>
+        </a:xfrm>
+      </p:grpSpPr>
+      <p:sp>
+        <p:nvSpPr>
+          <p:cNvPr id="2" name="Title 1">
+            <a:extLst>
+              <a:ext uri="{FF2B5EF4-FFF2-40B4-BE49-F238E27FC236}">
+                <a16:creationId xmlns:a16="http://schemas.microsoft.com/office/drawing/2014/main" id="{A1466988-FB2F-4D16-BBF5-230D47FF1585}"/>
+              </a:ext>
+            </a:extLst>
+          </p:cNvPr>
+          <p:cNvSpPr>
+            <a:spLocks noGrp="1"/>
+          </p:cNvSpPr>
+          <p:nvPr>
+            <p:ph type="title"/>
+          </p:nvPr>
+        </p:nvSpPr>
+        <p:spPr/>
+        <p:txBody>
+          <a:bodyPr/>
+          <a:lstStyle/>
+          <a:p>
+            <a:r>
+              <a:rPr lang="en-US" dirty="0"/>
+              <a:t>Benefits</a:t>
+            </a:r>
+          </a:p>
+        </p:txBody>
+      </p:sp>
+      <p:sp>
+        <p:nvSpPr>
+          <p:cNvPr id="3" name="Content Placeholder 2">
+            <a:extLst>
+              <a:ext uri="{FF2B5EF4-FFF2-40B4-BE49-F238E27FC236}">
+                <a16:creationId xmlns:a16="http://schemas.microsoft.com/office/drawing/2014/main" id="{5378AC24-C42A-4C4F-8143-3E73349464F9}"/>
+              </a:ext>
+            </a:extLst>
+          </p:cNvPr>
+          <p:cNvSpPr>
+            <a:spLocks noGrp="1"/>
+          </p:cNvSpPr>
+          <p:nvPr>
+            <p:ph idx="1"/>
+          </p:nvPr>
+        </p:nvSpPr>
+        <p:spPr/>
+        <p:txBody>
+          <a:bodyPr/>
+          <a:lstStyle/>
+          <a:p>
+            <a:r>
+              <a:rPr lang="en-US" dirty="0"/>
+              <a:t>We have chose mongo </a:t>
+            </a:r>
+            <a:r>
+              <a:rPr lang="en-US" dirty="0" err="1"/>
+              <a:t>db</a:t>
+            </a:r>
+            <a:r>
+              <a:rPr lang="en-US" dirty="0"/>
+              <a:t> to allow us to add any number of skillsets for each document.</a:t>
+            </a:r>
+          </a:p>
+          <a:p>
+            <a:endParaRPr lang="en-US" dirty="0"/>
+          </a:p>
+          <a:p>
+            <a:r>
+              <a:rPr lang="en-US" dirty="0"/>
+              <a:t>We have scraped entire information to Mongo Db we can do lot of visualizations and analysis on Data Scientist Jobs which can figure out which cities have more jobs, what skills are in popular demand, which cities have more salaries etc..</a:t>
+            </a:r>
+          </a:p>
+          <a:p>
+            <a:endParaRPr lang="en-US" dirty="0"/>
+          </a:p>
+          <a:p>
+            <a:endParaRPr lang="en-US" dirty="0"/>
+          </a:p>
+          <a:p>
+            <a:endParaRPr lang="en-US" dirty="0"/>
+          </a:p>
+        </p:txBody>
+      </p:sp>
+    </p:spTree>
+    <p:extLst>
+      <p:ext uri="{BB962C8B-B14F-4D97-AF65-F5344CB8AC3E}">
+        <p14:creationId xmlns:p14="http://schemas.microsoft.com/office/powerpoint/2010/main" val="3820375993"/>
+      </p:ext>
+    </p:extLst>
+  </p:cSld>
+  <p:clrMapOvr>
+    <a:masterClrMapping/>
+  </p:clrMapOvr>
 </p:sld>
 </file>
 
@@ -6970,7 +7141,7 @@
   <a:extraClrSchemeLst/>
   <a:extLst>
     <a:ext uri="{05A4C25C-085E-4340-85A3-A5531E510DB2}">
-      <thm15:themeFamily xmlns:thm15="http://schemas.microsoft.com/office/thememl/2012/main" xmlns="" name="Depth" id="{7BEAFC2A-325C-49C4-AC08-2B765DA903F9}" vid="{1735E755-43E6-43AA-ABA2-C989ECC79AF5}"/>
+      <thm15:themeFamily xmlns:thm15="http://schemas.microsoft.com/office/thememl/2012/main" name="Depth" id="{7BEAFC2A-325C-49C4-AC08-2B765DA903F9}" vid="{1735E755-43E6-43AA-ABA2-C989ECC79AF5}"/>
     </a:ext>
   </a:extLst>
 </a:theme>
